--- a/PCA/images/eigenvalue_eigenvector_as_characteristics_of_A.pptx
+++ b/PCA/images/eigenvalue_eigenvector_as_characteristics_of_A.pptx
@@ -107,6 +107,11 @@
       </a:defRPr>
     </a:lvl9pPr>
   </p:defaultTextStyle>
+  <p:extLst>
+    <p:ext uri="{EFAFB233-063F-42B5-8137-9DF3F51BA10A}">
+      <p15:sldGuideLst xmlns:p15="http://schemas.microsoft.com/office/powerpoint/2012/main"/>
+    </p:ext>
+  </p:extLst>
 </p:presentation>
 </file>
 
@@ -4105,8 +4110,8 @@
             </a:p>
           </p:txBody>
         </p:sp>
-        <mc:AlternateContent xmlns:mc="http://schemas.openxmlformats.org/markup-compatibility/2006">
-          <mc:Choice xmlns:a14="http://schemas.microsoft.com/office/drawing/2010/main" Requires="a14">
+        <mc:AlternateContent xmlns:mc="http://schemas.openxmlformats.org/markup-compatibility/2006" xmlns:a14="http://schemas.microsoft.com/office/drawing/2010/main">
+          <mc:Choice Requires="a14">
             <p:sp>
               <p:nvSpPr>
                 <p:cNvPr id="17" name="TextBox 16">
@@ -4135,6 +4140,7 @@
                 </a:bodyPr>
                 <a:lstStyle/>
                 <a:p>
+                  <a:pPr/>
                   <a14:m>
                     <m:oMathPara xmlns:m="http://schemas.openxmlformats.org/officeDocument/2006/math">
                       <m:oMathParaPr>
@@ -4243,7 +4249,13 @@
                                     <a:rPr lang="en-US" b="0" i="1" smtClean="0">
                                       <a:latin typeface="Cambria Math" panose="02040503050406030204" pitchFamily="18" charset="0"/>
                                     </a:rPr>
-                                    <m:t>10</m:t>
+                                    <m:t>1</m:t>
+                                  </m:r>
+                                  <m:r>
+                                    <a:rPr lang="en-US" b="0" i="1" smtClean="0">
+                                      <a:latin typeface="Cambria Math" panose="02040503050406030204" pitchFamily="18" charset="0"/>
+                                    </a:rPr>
+                                    <m:t>0</m:t>
                                   </m:r>
                                 </m:e>
                               </m:mr>
@@ -4289,7 +4301,13 @@
                                     <a:rPr lang="en-US" b="0" i="1" smtClean="0">
                                       <a:latin typeface="Cambria Math" panose="02040503050406030204" pitchFamily="18" charset="0"/>
                                     </a:rPr>
-                                    <m:t>  10</m:t>
+                                    <m:t> </m:t>
+                                  </m:r>
+                                  <m:r>
+                                    <a:rPr lang="en-US" b="0" i="1" smtClean="0">
+                                      <a:latin typeface="Cambria Math" panose="02040503050406030204" pitchFamily="18" charset="0"/>
+                                    </a:rPr>
+                                    <m:t> 10</m:t>
                                   </m:r>
                                 </m:e>
                               </m:mr>
@@ -4329,7 +4347,13 @@
                                     <a:rPr lang="en-US" b="0" i="1" smtClean="0">
                                       <a:latin typeface="Cambria Math" panose="02040503050406030204" pitchFamily="18" charset="0"/>
                                     </a:rPr>
-                                    <m:t>−10  </m:t>
+                                    <m:t>−</m:t>
+                                  </m:r>
+                                  <m:r>
+                                    <a:rPr lang="en-US" b="0" i="1" smtClean="0">
+                                      <a:latin typeface="Cambria Math" panose="02040503050406030204" pitchFamily="18" charset="0"/>
+                                    </a:rPr>
+                                    <m:t>10  </m:t>
                                   </m:r>
                                 </m:e>
                               </m:mr>
@@ -4369,7 +4393,13 @@
                                     <a:rPr lang="en-US" b="0" i="1" smtClean="0">
                                       <a:latin typeface="Cambria Math" panose="02040503050406030204" pitchFamily="18" charset="0"/>
                                     </a:rPr>
-                                    <m:t>−10</m:t>
+                                    <m:t>−</m:t>
+                                  </m:r>
+                                  <m:r>
+                                    <a:rPr lang="en-US" b="0" i="1" smtClean="0">
+                                      <a:latin typeface="Cambria Math" panose="02040503050406030204" pitchFamily="18" charset="0"/>
+                                    </a:rPr>
+                                    <m:t>10</m:t>
                                   </m:r>
                                 </m:e>
                               </m:mr>
@@ -4394,7 +4424,7 @@
               </p:txBody>
             </p:sp>
           </mc:Choice>
-          <mc:Fallback>
+          <mc:Fallback xmlns="">
             <p:sp>
               <p:nvSpPr>
                 <p:cNvPr id="17" name="TextBox 16">
@@ -4439,8 +4469,8 @@
             </p:sp>
           </mc:Fallback>
         </mc:AlternateContent>
-        <mc:AlternateContent xmlns:mc="http://schemas.openxmlformats.org/markup-compatibility/2006">
-          <mc:Choice xmlns:a14="http://schemas.microsoft.com/office/drawing/2010/main" Requires="a14">
+        <mc:AlternateContent xmlns:mc="http://schemas.openxmlformats.org/markup-compatibility/2006" xmlns:a14="http://schemas.microsoft.com/office/drawing/2010/main">
+          <mc:Choice Requires="a14">
             <p:sp>
               <p:nvSpPr>
                 <p:cNvPr id="18" name="TextBox 17">
@@ -4469,6 +4499,7 @@
                 </a:bodyPr>
                 <a:lstStyle/>
                 <a:p>
+                  <a:pPr/>
                   <a14:m>
                     <m:oMathPara xmlns:m="http://schemas.openxmlformats.org/officeDocument/2006/math">
                       <m:oMathParaPr>
@@ -4559,7 +4590,13 @@
                                     <a:rPr lang="en-US" b="0" i="1" smtClean="0">
                                       <a:latin typeface="Cambria Math" panose="02040503050406030204" pitchFamily="18" charset="0"/>
                                     </a:rPr>
-                                    <m:t>1.5</m:t>
+                                    <m:t>1</m:t>
+                                  </m:r>
+                                  <m:r>
+                                    <a:rPr lang="en-US" b="0" i="1" smtClean="0">
+                                      <a:latin typeface="Cambria Math" panose="02040503050406030204" pitchFamily="18" charset="0"/>
+                                    </a:rPr>
+                                    <m:t>.5</m:t>
                                   </m:r>
                                 </m:e>
                                 <m:e>
@@ -4600,7 +4637,7 @@
               </p:txBody>
             </p:sp>
           </mc:Choice>
-          <mc:Fallback>
+          <mc:Fallback xmlns="">
             <p:sp>
               <p:nvSpPr>
                 <p:cNvPr id="18" name="TextBox 17">
@@ -4688,8 +4725,8 @@
             </a:fontRef>
           </p:style>
         </p:cxnSp>
-        <mc:AlternateContent xmlns:mc="http://schemas.openxmlformats.org/markup-compatibility/2006">
-          <mc:Choice xmlns:a14="http://schemas.microsoft.com/office/drawing/2010/main" Requires="a14">
+        <mc:AlternateContent xmlns:mc="http://schemas.openxmlformats.org/markup-compatibility/2006" xmlns:a14="http://schemas.microsoft.com/office/drawing/2010/main">
+          <mc:Choice Requires="a14">
             <p:sp>
               <p:nvSpPr>
                 <p:cNvPr id="21" name="TextBox 20">
@@ -4718,6 +4755,7 @@
                 </a:bodyPr>
                 <a:lstStyle/>
                 <a:p>
+                  <a:pPr/>
                   <a14:m>
                     <m:oMathPara xmlns:m="http://schemas.openxmlformats.org/officeDocument/2006/math">
                       <m:oMathParaPr>
@@ -4772,7 +4810,13 @@
                                     <a:rPr lang="en-US" b="0" i="1" smtClean="0">
                                       <a:latin typeface="Cambria Math" panose="02040503050406030204" pitchFamily="18" charset="0"/>
                                     </a:rPr>
-                                    <m:t>20</m:t>
+                                    <m:t>2</m:t>
+                                  </m:r>
+                                  <m:r>
+                                    <a:rPr lang="en-US" b="0" i="1" smtClean="0">
+                                      <a:latin typeface="Cambria Math" panose="02040503050406030204" pitchFamily="18" charset="0"/>
+                                    </a:rPr>
+                                    <m:t>0</m:t>
                                   </m:r>
                                 </m:e>
                                 <m:e>
@@ -4844,7 +4888,13 @@
                                     <a:rPr lang="en-US" b="0" i="1" smtClean="0">
                                       <a:latin typeface="Cambria Math" panose="02040503050406030204" pitchFamily="18" charset="0"/>
                                     </a:rPr>
-                                    <m:t>     −10</m:t>
+                                    <m:t> </m:t>
+                                  </m:r>
+                                  <m:r>
+                                    <a:rPr lang="en-US" b="0" i="1" smtClean="0">
+                                      <a:latin typeface="Cambria Math" panose="02040503050406030204" pitchFamily="18" charset="0"/>
+                                    </a:rPr>
+                                    <m:t>    −10</m:t>
                                   </m:r>
                                 </m:e>
                               </m:mr>
@@ -4869,7 +4919,7 @@
               </p:txBody>
             </p:sp>
           </mc:Choice>
-          <mc:Fallback>
+          <mc:Fallback xmlns="">
             <p:sp>
               <p:nvSpPr>
                 <p:cNvPr id="21" name="TextBox 20">
@@ -5043,7 +5093,7 @@
           </p:nvCxnSpPr>
           <p:spPr>
             <a:xfrm flipH="1">
-              <a:off x="5280080" y="718676"/>
+              <a:off x="5255366" y="718676"/>
               <a:ext cx="5335073" cy="5417574"/>
             </a:xfrm>
             <a:prstGeom prst="line">
@@ -5088,7 +5138,7 @@
           </p:nvCxnSpPr>
           <p:spPr>
             <a:xfrm flipV="1">
-              <a:off x="5156136" y="2253910"/>
+              <a:off x="5156136" y="2229196"/>
               <a:ext cx="1610863" cy="4011809"/>
             </a:xfrm>
             <a:prstGeom prst="line">
@@ -5131,7 +5181,7 @@
           </p:nvCxnSpPr>
           <p:spPr>
             <a:xfrm flipV="1">
-              <a:off x="5175412" y="4575417"/>
+              <a:off x="5175412" y="4563060"/>
               <a:ext cx="3963445" cy="1672471"/>
             </a:xfrm>
             <a:prstGeom prst="line">
@@ -5158,8 +5208,8 @@
             </a:fontRef>
           </p:style>
         </p:cxnSp>
-        <mc:AlternateContent xmlns:mc="http://schemas.openxmlformats.org/markup-compatibility/2006">
-          <mc:Choice xmlns:a14="http://schemas.microsoft.com/office/drawing/2010/main" Requires="a14">
+        <mc:AlternateContent xmlns:mc="http://schemas.openxmlformats.org/markup-compatibility/2006" xmlns:a14="http://schemas.microsoft.com/office/drawing/2010/main">
+          <mc:Choice Requires="a14">
             <p:sp>
               <p:nvSpPr>
                 <p:cNvPr id="48" name="TextBox 47">
@@ -5188,6 +5238,7 @@
                 </a:bodyPr>
                 <a:lstStyle/>
                 <a:p>
+                  <a:pPr/>
                   <a14:m>
                     <m:oMathPara xmlns:m="http://schemas.openxmlformats.org/officeDocument/2006/math">
                       <m:oMathParaPr>
@@ -5326,13 +5377,7 @@
                                         <a:rPr lang="en-US" b="0" i="1" smtClean="0">
                                           <a:latin typeface="Cambria Math" panose="02040503050406030204" pitchFamily="18" charset="0"/>
                                         </a:rPr>
-                                        <m:t>−</m:t>
-                                      </m:r>
-                                      <m:r>
-                                        <a:rPr lang="en-US" b="0" i="1" smtClean="0">
-                                          <a:latin typeface="Cambria Math" panose="02040503050406030204" pitchFamily="18" charset="0"/>
-                                        </a:rPr>
-                                        <m:t>1</m:t>
+                                        <m:t>−1</m:t>
                                       </m:r>
                                     </m:num>
                                     <m:den>
@@ -5454,7 +5499,7 @@
               </p:txBody>
             </p:sp>
           </mc:Choice>
-          <mc:Fallback>
+          <mc:Fallback xmlns="">
             <p:sp>
               <p:nvSpPr>
                 <p:cNvPr id="48" name="TextBox 47">
@@ -5499,8 +5544,8 @@
             </p:sp>
           </mc:Fallback>
         </mc:AlternateContent>
-        <mc:AlternateContent xmlns:mc="http://schemas.openxmlformats.org/markup-compatibility/2006">
-          <mc:Choice xmlns:a14="http://schemas.microsoft.com/office/drawing/2010/main" Requires="a14">
+        <mc:AlternateContent xmlns:mc="http://schemas.openxmlformats.org/markup-compatibility/2006" xmlns:a14="http://schemas.microsoft.com/office/drawing/2010/main">
+          <mc:Choice Requires="a14">
             <p:sp>
               <p:nvSpPr>
                 <p:cNvPr id="49" name="TextBox 48">
@@ -5529,6 +5574,7 @@
                 </a:bodyPr>
                 <a:lstStyle/>
                 <a:p>
+                  <a:pPr/>
                   <a14:m>
                     <m:oMathPara xmlns:m="http://schemas.openxmlformats.org/officeDocument/2006/math">
                       <m:oMathParaPr>
@@ -5642,7 +5688,7 @@
               </p:txBody>
             </p:sp>
           </mc:Choice>
-          <mc:Fallback>
+          <mc:Fallback xmlns="">
             <p:sp>
               <p:nvSpPr>
                 <p:cNvPr id="49" name="TextBox 48">
@@ -5955,8 +6001,8 @@
             </a:fontRef>
           </p:style>
         </p:cxnSp>
-        <mc:AlternateContent xmlns:mc="http://schemas.openxmlformats.org/markup-compatibility/2006">
-          <mc:Choice xmlns:a14="http://schemas.microsoft.com/office/drawing/2010/main" Requires="a14">
+        <mc:AlternateContent xmlns:mc="http://schemas.openxmlformats.org/markup-compatibility/2006" xmlns:a14="http://schemas.microsoft.com/office/drawing/2010/main">
+          <mc:Choice Requires="a14">
             <p:sp>
               <p:nvSpPr>
                 <p:cNvPr id="62" name="TextBox 61">
@@ -5985,6 +6031,7 @@
                 </a:bodyPr>
                 <a:lstStyle/>
                 <a:p>
+                  <a:pPr/>
                   <a14:m>
                     <m:oMathPara xmlns:m="http://schemas.openxmlformats.org/officeDocument/2006/math">
                       <m:oMathParaPr>
@@ -6050,7 +6097,7 @@
               </p:txBody>
             </p:sp>
           </mc:Choice>
-          <mc:Fallback>
+          <mc:Fallback xmlns="">
             <p:sp>
               <p:nvSpPr>
                 <p:cNvPr id="62" name="TextBox 61">
@@ -6095,8 +6142,8 @@
             </p:sp>
           </mc:Fallback>
         </mc:AlternateContent>
-        <mc:AlternateContent xmlns:mc="http://schemas.openxmlformats.org/markup-compatibility/2006">
-          <mc:Choice xmlns:a14="http://schemas.microsoft.com/office/drawing/2010/main" Requires="a14">
+        <mc:AlternateContent xmlns:mc="http://schemas.openxmlformats.org/markup-compatibility/2006" xmlns:a14="http://schemas.microsoft.com/office/drawing/2010/main">
+          <mc:Choice Requires="a14">
             <p:sp>
               <p:nvSpPr>
                 <p:cNvPr id="63" name="TextBox 62">
@@ -6125,6 +6172,7 @@
                 </a:bodyPr>
                 <a:lstStyle/>
                 <a:p>
+                  <a:pPr/>
                   <a14:m>
                     <m:oMathPara xmlns:m="http://schemas.openxmlformats.org/officeDocument/2006/math">
                       <m:oMathParaPr>
@@ -6190,7 +6238,7 @@
               </p:txBody>
             </p:sp>
           </mc:Choice>
-          <mc:Fallback>
+          <mc:Fallback xmlns="">
             <p:sp>
               <p:nvSpPr>
                 <p:cNvPr id="63" name="TextBox 62">
@@ -6340,8 +6388,8 @@
             </a:p>
           </p:txBody>
         </p:sp>
-        <mc:AlternateContent xmlns:mc="http://schemas.openxmlformats.org/markup-compatibility/2006">
-          <mc:Choice xmlns:a14="http://schemas.microsoft.com/office/drawing/2010/main" Requires="a14">
+        <mc:AlternateContent xmlns:mc="http://schemas.openxmlformats.org/markup-compatibility/2006" xmlns:a14="http://schemas.microsoft.com/office/drawing/2010/main">
+          <mc:Choice Requires="a14">
             <p:sp>
               <p:nvSpPr>
                 <p:cNvPr id="64" name="Rounded Rectangular Callout 63">
@@ -6450,7 +6498,7 @@
               </p:txBody>
             </p:sp>
           </mc:Choice>
-          <mc:Fallback>
+          <mc:Fallback xmlns="">
             <p:sp>
               <p:nvSpPr>
                 <p:cNvPr id="64" name="Rounded Rectangular Callout 63">
@@ -6502,8 +6550,8 @@
             </p:sp>
           </mc:Fallback>
         </mc:AlternateContent>
-        <mc:AlternateContent xmlns:mc="http://schemas.openxmlformats.org/markup-compatibility/2006">
-          <mc:Choice xmlns:a14="http://schemas.microsoft.com/office/drawing/2010/main" Requires="a14">
+        <mc:AlternateContent xmlns:mc="http://schemas.openxmlformats.org/markup-compatibility/2006" xmlns:a14="http://schemas.microsoft.com/office/drawing/2010/main">
+          <mc:Choice Requires="a14">
             <p:sp>
               <p:nvSpPr>
                 <p:cNvPr id="65" name="Rounded Rectangular Callout 64">
@@ -6611,7 +6659,7 @@
               </p:txBody>
             </p:sp>
           </mc:Choice>
-          <mc:Fallback>
+          <mc:Fallback xmlns="">
             <p:sp>
               <p:nvSpPr>
                 <p:cNvPr id="65" name="Rounded Rectangular Callout 64">
@@ -6663,8 +6711,8 @@
             </p:sp>
           </mc:Fallback>
         </mc:AlternateContent>
-        <mc:AlternateContent xmlns:mc="http://schemas.openxmlformats.org/markup-compatibility/2006">
-          <mc:Choice xmlns:a14="http://schemas.microsoft.com/office/drawing/2010/main" Requires="a14">
+        <mc:AlternateContent xmlns:mc="http://schemas.openxmlformats.org/markup-compatibility/2006" xmlns:a14="http://schemas.microsoft.com/office/drawing/2010/main">
+          <mc:Choice Requires="a14">
             <p:sp>
               <p:nvSpPr>
                 <p:cNvPr id="66" name="Rounded Rectangular Callout 65">
@@ -6773,7 +6821,7 @@
               </p:txBody>
             </p:sp>
           </mc:Choice>
-          <mc:Fallback>
+          <mc:Fallback xmlns="">
             <p:sp>
               <p:nvSpPr>
                 <p:cNvPr id="66" name="Rounded Rectangular Callout 65">
@@ -6825,8 +6873,8 @@
             </p:sp>
           </mc:Fallback>
         </mc:AlternateContent>
-        <mc:AlternateContent xmlns:mc="http://schemas.openxmlformats.org/markup-compatibility/2006">
-          <mc:Choice xmlns:a14="http://schemas.microsoft.com/office/drawing/2010/main" Requires="a14">
+        <mc:AlternateContent xmlns:mc="http://schemas.openxmlformats.org/markup-compatibility/2006" xmlns:a14="http://schemas.microsoft.com/office/drawing/2010/main">
+          <mc:Choice Requires="a14">
             <p:sp>
               <p:nvSpPr>
                 <p:cNvPr id="67" name="Rounded Rectangular Callout 66">
@@ -6934,7 +6982,7 @@
               </p:txBody>
             </p:sp>
           </mc:Choice>
-          <mc:Fallback>
+          <mc:Fallback xmlns="">
             <p:sp>
               <p:nvSpPr>
                 <p:cNvPr id="67" name="Rounded Rectangular Callout 66">
@@ -7001,7 +7049,7 @@
           <p:spPr>
             <a:xfrm>
               <a:off x="297824" y="281857"/>
-              <a:ext cx="7259103" cy="369332"/>
+              <a:ext cx="8071120" cy="400110"/>
             </a:xfrm>
             <a:prstGeom prst="rect">
               <a:avLst/>
@@ -7015,7 +7063,7 @@
             <a:lstStyle/>
             <a:p>
               <a:r>
-                <a:rPr lang="en-US" b="1" dirty="0"/>
+                <a:rPr lang="en-US" sz="2000" b="1" dirty="0"/>
                 <a:t>Eigenvectors and eigenvalues are characteristics of a linear transformation</a:t>
               </a:r>
             </a:p>

--- a/PCA/images/eigenvalue_eigenvector_as_characteristics_of_A.pptx
+++ b/PCA/images/eigenvalue_eigenvector_as_characteristics_of_A.pptx
@@ -3767,10 +3767,10 @@
       </p:grpSpPr>
       <p:grpSp>
         <p:nvGrpSpPr>
-          <p:cNvPr id="78" name="Group 77">
+          <p:cNvPr id="4" name="Group 3">
             <a:extLst>
               <a:ext uri="{FF2B5EF4-FFF2-40B4-BE49-F238E27FC236}">
-                <a16:creationId xmlns:a16="http://schemas.microsoft.com/office/drawing/2014/main" id="{75677121-1D88-5B47-87B7-B49B2D87517F}"/>
+                <a16:creationId xmlns:a16="http://schemas.microsoft.com/office/drawing/2014/main" id="{321427E6-5A80-7448-A92E-AF70BD1589EB}"/>
               </a:ext>
             </a:extLst>
           </p:cNvPr>
@@ -4110,8 +4110,8 @@
             </a:p>
           </p:txBody>
         </p:sp>
-        <mc:AlternateContent xmlns:mc="http://schemas.openxmlformats.org/markup-compatibility/2006" xmlns:a14="http://schemas.microsoft.com/office/drawing/2010/main">
-          <mc:Choice Requires="a14">
+        <mc:AlternateContent xmlns:mc="http://schemas.openxmlformats.org/markup-compatibility/2006">
+          <mc:Choice xmlns:a14="http://schemas.microsoft.com/office/drawing/2010/main" Requires="a14">
             <p:sp>
               <p:nvSpPr>
                 <p:cNvPr id="17" name="TextBox 16">
@@ -4424,7 +4424,7 @@
               </p:txBody>
             </p:sp>
           </mc:Choice>
-          <mc:Fallback xmlns="">
+          <mc:Fallback>
             <p:sp>
               <p:nvSpPr>
                 <p:cNvPr id="17" name="TextBox 16">
@@ -4469,8 +4469,8 @@
             </p:sp>
           </mc:Fallback>
         </mc:AlternateContent>
-        <mc:AlternateContent xmlns:mc="http://schemas.openxmlformats.org/markup-compatibility/2006" xmlns:a14="http://schemas.microsoft.com/office/drawing/2010/main">
-          <mc:Choice Requires="a14">
+        <mc:AlternateContent xmlns:mc="http://schemas.openxmlformats.org/markup-compatibility/2006">
+          <mc:Choice xmlns:a14="http://schemas.microsoft.com/office/drawing/2010/main" Requires="a14">
             <p:sp>
               <p:nvSpPr>
                 <p:cNvPr id="18" name="TextBox 17">
@@ -4637,7 +4637,7 @@
               </p:txBody>
             </p:sp>
           </mc:Choice>
-          <mc:Fallback xmlns="">
+          <mc:Fallback>
             <p:sp>
               <p:nvSpPr>
                 <p:cNvPr id="18" name="TextBox 17">
@@ -4725,8 +4725,8 @@
             </a:fontRef>
           </p:style>
         </p:cxnSp>
-        <mc:AlternateContent xmlns:mc="http://schemas.openxmlformats.org/markup-compatibility/2006" xmlns:a14="http://schemas.microsoft.com/office/drawing/2010/main">
-          <mc:Choice Requires="a14">
+        <mc:AlternateContent xmlns:mc="http://schemas.openxmlformats.org/markup-compatibility/2006">
+          <mc:Choice xmlns:a14="http://schemas.microsoft.com/office/drawing/2010/main" Requires="a14">
             <p:sp>
               <p:nvSpPr>
                 <p:cNvPr id="21" name="TextBox 20">
@@ -4919,7 +4919,7 @@
               </p:txBody>
             </p:sp>
           </mc:Choice>
-          <mc:Fallback xmlns="">
+          <mc:Fallback>
             <p:sp>
               <p:nvSpPr>
                 <p:cNvPr id="21" name="TextBox 20">
@@ -5138,8 +5138,8 @@
           </p:nvCxnSpPr>
           <p:spPr>
             <a:xfrm flipV="1">
-              <a:off x="5156136" y="2229196"/>
-              <a:ext cx="1610863" cy="4011809"/>
+              <a:off x="5156136" y="2256173"/>
+              <a:ext cx="1624098" cy="3984833"/>
             </a:xfrm>
             <a:prstGeom prst="line">
               <a:avLst/>
@@ -5208,8 +5208,8 @@
             </a:fontRef>
           </p:style>
         </p:cxnSp>
-        <mc:AlternateContent xmlns:mc="http://schemas.openxmlformats.org/markup-compatibility/2006" xmlns:a14="http://schemas.microsoft.com/office/drawing/2010/main">
-          <mc:Choice Requires="a14">
+        <mc:AlternateContent xmlns:mc="http://schemas.openxmlformats.org/markup-compatibility/2006">
+          <mc:Choice xmlns:a14="http://schemas.microsoft.com/office/drawing/2010/main" Requires="a14">
             <p:sp>
               <p:nvSpPr>
                 <p:cNvPr id="48" name="TextBox 47">
@@ -5499,7 +5499,7 @@
               </p:txBody>
             </p:sp>
           </mc:Choice>
-          <mc:Fallback xmlns="">
+          <mc:Fallback>
             <p:sp>
               <p:nvSpPr>
                 <p:cNvPr id="48" name="TextBox 47">
@@ -5544,8 +5544,8 @@
             </p:sp>
           </mc:Fallback>
         </mc:AlternateContent>
-        <mc:AlternateContent xmlns:mc="http://schemas.openxmlformats.org/markup-compatibility/2006" xmlns:a14="http://schemas.microsoft.com/office/drawing/2010/main">
-          <mc:Choice Requires="a14">
+        <mc:AlternateContent xmlns:mc="http://schemas.openxmlformats.org/markup-compatibility/2006">
+          <mc:Choice xmlns:a14="http://schemas.microsoft.com/office/drawing/2010/main" Requires="a14">
             <p:sp>
               <p:nvSpPr>
                 <p:cNvPr id="49" name="TextBox 48">
@@ -5688,7 +5688,7 @@
               </p:txBody>
             </p:sp>
           </mc:Choice>
-          <mc:Fallback xmlns="">
+          <mc:Fallback>
             <p:sp>
               <p:nvSpPr>
                 <p:cNvPr id="49" name="TextBox 48">
@@ -6001,8 +6001,8 @@
             </a:fontRef>
           </p:style>
         </p:cxnSp>
-        <mc:AlternateContent xmlns:mc="http://schemas.openxmlformats.org/markup-compatibility/2006" xmlns:a14="http://schemas.microsoft.com/office/drawing/2010/main">
-          <mc:Choice Requires="a14">
+        <mc:AlternateContent xmlns:mc="http://schemas.openxmlformats.org/markup-compatibility/2006">
+          <mc:Choice xmlns:a14="http://schemas.microsoft.com/office/drawing/2010/main" Requires="a14">
             <p:sp>
               <p:nvSpPr>
                 <p:cNvPr id="62" name="TextBox 61">
@@ -6097,7 +6097,7 @@
               </p:txBody>
             </p:sp>
           </mc:Choice>
-          <mc:Fallback xmlns="">
+          <mc:Fallback>
             <p:sp>
               <p:nvSpPr>
                 <p:cNvPr id="62" name="TextBox 61">
@@ -6142,8 +6142,8 @@
             </p:sp>
           </mc:Fallback>
         </mc:AlternateContent>
-        <mc:AlternateContent xmlns:mc="http://schemas.openxmlformats.org/markup-compatibility/2006" xmlns:a14="http://schemas.microsoft.com/office/drawing/2010/main">
-          <mc:Choice Requires="a14">
+        <mc:AlternateContent xmlns:mc="http://schemas.openxmlformats.org/markup-compatibility/2006">
+          <mc:Choice xmlns:a14="http://schemas.microsoft.com/office/drawing/2010/main" Requires="a14">
             <p:sp>
               <p:nvSpPr>
                 <p:cNvPr id="63" name="TextBox 62">
@@ -6238,7 +6238,7 @@
               </p:txBody>
             </p:sp>
           </mc:Choice>
-          <mc:Fallback xmlns="">
+          <mc:Fallback>
             <p:sp>
               <p:nvSpPr>
                 <p:cNvPr id="63" name="TextBox 62">
@@ -6388,8 +6388,8 @@
             </a:p>
           </p:txBody>
         </p:sp>
-        <mc:AlternateContent xmlns:mc="http://schemas.openxmlformats.org/markup-compatibility/2006" xmlns:a14="http://schemas.microsoft.com/office/drawing/2010/main">
-          <mc:Choice Requires="a14">
+        <mc:AlternateContent xmlns:mc="http://schemas.openxmlformats.org/markup-compatibility/2006">
+          <mc:Choice xmlns:a14="http://schemas.microsoft.com/office/drawing/2010/main" Requires="a14">
             <p:sp>
               <p:nvSpPr>
                 <p:cNvPr id="64" name="Rounded Rectangular Callout 63">
@@ -6498,7 +6498,7 @@
               </p:txBody>
             </p:sp>
           </mc:Choice>
-          <mc:Fallback xmlns="">
+          <mc:Fallback>
             <p:sp>
               <p:nvSpPr>
                 <p:cNvPr id="64" name="Rounded Rectangular Callout 63">
@@ -6550,8 +6550,8 @@
             </p:sp>
           </mc:Fallback>
         </mc:AlternateContent>
-        <mc:AlternateContent xmlns:mc="http://schemas.openxmlformats.org/markup-compatibility/2006" xmlns:a14="http://schemas.microsoft.com/office/drawing/2010/main">
-          <mc:Choice Requires="a14">
+        <mc:AlternateContent xmlns:mc="http://schemas.openxmlformats.org/markup-compatibility/2006">
+          <mc:Choice xmlns:a14="http://schemas.microsoft.com/office/drawing/2010/main" Requires="a14">
             <p:sp>
               <p:nvSpPr>
                 <p:cNvPr id="65" name="Rounded Rectangular Callout 64">
@@ -6659,7 +6659,7 @@
               </p:txBody>
             </p:sp>
           </mc:Choice>
-          <mc:Fallback xmlns="">
+          <mc:Fallback>
             <p:sp>
               <p:nvSpPr>
                 <p:cNvPr id="65" name="Rounded Rectangular Callout 64">
@@ -6711,8 +6711,8 @@
             </p:sp>
           </mc:Fallback>
         </mc:AlternateContent>
-        <mc:AlternateContent xmlns:mc="http://schemas.openxmlformats.org/markup-compatibility/2006" xmlns:a14="http://schemas.microsoft.com/office/drawing/2010/main">
-          <mc:Choice Requires="a14">
+        <mc:AlternateContent xmlns:mc="http://schemas.openxmlformats.org/markup-compatibility/2006">
+          <mc:Choice xmlns:a14="http://schemas.microsoft.com/office/drawing/2010/main" Requires="a14">
             <p:sp>
               <p:nvSpPr>
                 <p:cNvPr id="66" name="Rounded Rectangular Callout 65">
@@ -6821,7 +6821,7 @@
               </p:txBody>
             </p:sp>
           </mc:Choice>
-          <mc:Fallback xmlns="">
+          <mc:Fallback>
             <p:sp>
               <p:nvSpPr>
                 <p:cNvPr id="66" name="Rounded Rectangular Callout 65">
@@ -6873,8 +6873,8 @@
             </p:sp>
           </mc:Fallback>
         </mc:AlternateContent>
-        <mc:AlternateContent xmlns:mc="http://schemas.openxmlformats.org/markup-compatibility/2006" xmlns:a14="http://schemas.microsoft.com/office/drawing/2010/main">
-          <mc:Choice Requires="a14">
+        <mc:AlternateContent xmlns:mc="http://schemas.openxmlformats.org/markup-compatibility/2006">
+          <mc:Choice xmlns:a14="http://schemas.microsoft.com/office/drawing/2010/main" Requires="a14">
             <p:sp>
               <p:nvSpPr>
                 <p:cNvPr id="67" name="Rounded Rectangular Callout 66">
@@ -6982,7 +6982,7 @@
               </p:txBody>
             </p:sp>
           </mc:Choice>
-          <mc:Fallback xmlns="">
+          <mc:Fallback>
             <p:sp>
               <p:nvSpPr>
                 <p:cNvPr id="67" name="Rounded Rectangular Callout 66">
